--- a/Docs/pdr_wtoner_2015fall.pptx
+++ b/Docs/pdr_wtoner_2015fall.pptx
@@ -18,6 +18,8 @@
     <p:sldId id="265" r:id="rId13"/>
     <p:sldId id="266" r:id="rId14"/>
     <p:sldId id="267" r:id="rId15"/>
+    <p:sldId id="268" r:id="rId16"/>
+    <p:sldId id="269" r:id="rId17"/>
   </p:sldIdLst>
   <p:sldSz cx="12192000" cy="6858000"/>
   <p:notesSz cx="7772400" cy="10058400"/>
@@ -2477,7 +2479,7 @@
                 <a:spcPct val="100000"/>
               </a:lnSpc>
             </a:pPr>
-            <a:fld id="{016AB920-D557-4733-98A9-31C285843250}" type="slidenum">
+            <a:fld id="{4D2F3A8A-2E71-483C-ABD8-406F1D7AD5C3}" type="slidenum">
               <a:rPr lang="en-US" sz="1200">
                 <a:solidFill>
                   <a:srgbClr val="8b8b8b"/>
@@ -2994,7 +2996,7 @@
                 <a:spcPct val="100000"/>
               </a:lnSpc>
             </a:pPr>
-            <a:fld id="{27BC386E-C05E-4009-A73E-3E0BB8DE134D}" type="slidenum">
+            <a:fld id="{6E569234-981A-4C91-809A-A2D833594C1D}" type="slidenum">
               <a:rPr lang="en-US" sz="1200">
                 <a:solidFill>
                   <a:srgbClr val="8b8b8b"/>
@@ -3481,6 +3483,219 @@
       </p:par>
     </p:tnLst>
   </p:timing>
+</p:sld>
+</file>
+
+<file path=ppt/slides/slide13.xml><?xml version="1.0" encoding="utf-8"?>
+<p:sld xmlns:a="http://schemas.openxmlformats.org/drawingml/2006/main" xmlns:p="http://schemas.openxmlformats.org/presentationml/2006/main" xmlns:r="http://schemas.openxmlformats.org/officeDocument/2006/relationships">
+  <p:cSld>
+    <p:spTree>
+      <p:nvGrpSpPr>
+        <p:cNvPr id="1" name=""/>
+        <p:cNvGrpSpPr/>
+        <p:nvPr/>
+      </p:nvGrpSpPr>
+      <p:grpSpPr>
+        <a:xfrm>
+          <a:off x="0" y="0"/>
+          <a:ext cx="0" cy="0"/>
+          <a:chOff x="0" y="0"/>
+          <a:chExt cx="0" cy="0"/>
+        </a:xfrm>
+      </p:grpSpPr>
+      <p:sp>
+        <p:nvSpPr>
+          <p:cNvPr id="106" name="TextShape 1"/>
+          <p:cNvSpPr txBox="1"/>
+          <p:nvPr/>
+        </p:nvSpPr>
+        <p:spPr>
+          <a:xfrm>
+            <a:off x="838080" y="365040"/>
+            <a:ext cx="10515240" cy="1325160"/>
+          </a:xfrm>
+          <a:prstGeom prst="rect">
+            <a:avLst/>
+          </a:prstGeom>
+        </p:spPr>
+        <p:txBody>
+          <a:bodyPr wrap="none" lIns="0" rIns="0" tIns="0" bIns="0" anchor="ctr"/>
+          <a:p>
+            <a:r>
+              <a:rPr lang="en-US" sz="4400"/>
+              <a:t>Risks</a:t>
+            </a:r>
+            <a:endParaRPr/>
+          </a:p>
+        </p:txBody>
+      </p:sp>
+    </p:spTree>
+  </p:cSld>
+  <p:timing>
+    <p:tnLst>
+      <p:par>
+        <p:cTn id="25" dur="indefinite" restart="never" nodeType="tmRoot">
+          <p:childTnLst>
+            <p:seq>
+              <p:cTn id="26" nodeType="mainSeq"/>
+              <p:prevCondLst>
+                <p:cond delay="0" evt="onPrev">
+                  <p:tgtEl>
+                    <p:sldTgt/>
+                  </p:tgtEl>
+                </p:cond>
+              </p:prevCondLst>
+              <p:nextCondLst>
+                <p:cond delay="0" evt="onNext">
+                  <p:tgtEl>
+                    <p:sldTgt/>
+                  </p:tgtEl>
+                </p:cond>
+              </p:nextCondLst>
+            </p:seq>
+          </p:childTnLst>
+        </p:cTn>
+      </p:par>
+    </p:tnLst>
+  </p:timing>
+</p:sld>
+</file>
+
+<file path=ppt/slides/slide14.xml><?xml version="1.0" encoding="utf-8"?>
+<p:sld xmlns:a="http://schemas.openxmlformats.org/drawingml/2006/main" xmlns:p="http://schemas.openxmlformats.org/presentationml/2006/main" xmlns:r="http://schemas.openxmlformats.org/officeDocument/2006/relationships">
+  <p:cSld>
+    <p:spTree>
+      <p:nvGrpSpPr>
+        <p:cNvPr id="1" name=""/>
+        <p:cNvGrpSpPr/>
+        <p:nvPr/>
+      </p:nvGrpSpPr>
+      <p:grpSpPr>
+        <a:xfrm>
+          <a:off x="0" y="0"/>
+          <a:ext cx="0" cy="0"/>
+          <a:chOff x="0" y="0"/>
+          <a:chExt cx="0" cy="0"/>
+        </a:xfrm>
+      </p:grpSpPr>
+      <p:sp>
+        <p:nvSpPr>
+          <p:cNvPr id="107" name="TextShape 1"/>
+          <p:cNvSpPr txBox="1"/>
+          <p:nvPr/>
+        </p:nvSpPr>
+        <p:spPr>
+          <a:xfrm>
+            <a:off x="838080" y="365040"/>
+            <a:ext cx="10515240" cy="1325520"/>
+          </a:xfrm>
+          <a:prstGeom prst="rect">
+            <a:avLst/>
+          </a:prstGeom>
+        </p:spPr>
+        <p:txBody>
+          <a:bodyPr wrap="none" lIns="0" rIns="0" tIns="0" bIns="0" anchor="ctr"/>
+          <a:p>
+            <a:endParaRPr/>
+          </a:p>
+        </p:txBody>
+      </p:sp>
+      <p:sp>
+        <p:nvSpPr>
+          <p:cNvPr id="108" name="TextShape 2"/>
+          <p:cNvSpPr txBox="1"/>
+          <p:nvPr/>
+        </p:nvSpPr>
+        <p:spPr>
+          <a:xfrm>
+            <a:off x="838080" y="1825560"/>
+            <a:ext cx="10515240" cy="4350960"/>
+          </a:xfrm>
+          <a:prstGeom prst="rect">
+            <a:avLst/>
+          </a:prstGeom>
+        </p:spPr>
+        <p:txBody>
+          <a:bodyPr wrap="none" lIns="0" rIns="0" tIns="0" bIns="0"/>
+          <a:p>
+            <a:endParaRPr/>
+          </a:p>
+        </p:txBody>
+      </p:sp>
+      <p:sp>
+        <p:nvSpPr>
+          <p:cNvPr id="109" name="TextShape 3"/>
+          <p:cNvSpPr txBox="1"/>
+          <p:nvPr/>
+        </p:nvSpPr>
+        <p:spPr>
+          <a:xfrm>
+            <a:off x="838080" y="1825560"/>
+            <a:ext cx="10515240" cy="4350960"/>
+          </a:xfrm>
+          <a:prstGeom prst="rect">
+            <a:avLst/>
+          </a:prstGeom>
+        </p:spPr>
+        <p:txBody>
+          <a:bodyPr wrap="none" lIns="0" rIns="0" tIns="0" bIns="0"/>
+          <a:p>
+            <a:endParaRPr/>
+          </a:p>
+        </p:txBody>
+      </p:sp>
+      <p:pic>
+        <p:nvPicPr>
+          <p:cNvPr id="110" name="" descr=""/>
+          <p:cNvPicPr/>
+          <p:nvPr/>
+        </p:nvPicPr>
+        <p:blipFill>
+          <a:blip r:embed="rId1"/>
+          <a:stretch>
+            <a:fillRect/>
+          </a:stretch>
+        </p:blipFill>
+        <p:spPr>
+          <a:xfrm>
+            <a:off x="3368880" y="1825560"/>
+            <a:ext cx="5452920" cy="4350960"/>
+          </a:xfrm>
+          <a:prstGeom prst="rect">
+            <a:avLst/>
+          </a:prstGeom>
+          <a:ln>
+            <a:noFill/>
+          </a:ln>
+        </p:spPr>
+      </p:pic>
+      <p:pic>
+        <p:nvPicPr>
+          <p:cNvPr id="111" name="" descr=""/>
+          <p:cNvPicPr/>
+          <p:nvPr/>
+        </p:nvPicPr>
+        <p:blipFill>
+          <a:blip r:embed="rId2"/>
+          <a:stretch>
+            <a:fillRect/>
+          </a:stretch>
+        </p:blipFill>
+        <p:spPr>
+          <a:xfrm>
+            <a:off x="3368880" y="1825560"/>
+            <a:ext cx="5452920" cy="4350960"/>
+          </a:xfrm>
+          <a:prstGeom prst="rect">
+            <a:avLst/>
+          </a:prstGeom>
+          <a:ln>
+            <a:noFill/>
+          </a:ln>
+        </p:spPr>
+      </p:pic>
+    </p:spTree>
+  </p:cSld>
 </p:sld>
 </file>
 
